--- a/r/ppt4.pptx
+++ b/r/ppt4.pptx
@@ -37,6 +37,7 @@
     <p:sldId id="285" r:id="rId31"/>
     <p:sldId id="286" r:id="rId32"/>
     <p:sldId id="287" r:id="rId33"/>
+    <p:sldId id="288" r:id="rId34"/>
   </p:sldIdLst>
   <p:sldSz cx="9144000" cy="6858000" type="screen4x3"/>
   <p:notesSz cx="6858000" cy="9144000"/>
@@ -3351,6 +3352,102 @@
             </a:pPr>
             <a:r>
               <a:rPr/>
+              <a:t>What</a:t>
+            </a:r>
+            <a:r>
+              <a:rPr/>
+              <a:t> </a:t>
+            </a:r>
+            <a:r>
+              <a:rPr/>
+              <a:t>is</a:t>
+            </a:r>
+            <a:r>
+              <a:rPr/>
+              <a:t> </a:t>
+            </a:r>
+            <a:r>
+              <a:rPr/>
+              <a:t>happening</a:t>
+            </a:r>
+            <a:r>
+              <a:rPr/>
+              <a:t> </a:t>
+            </a:r>
+            <a:r>
+              <a:rPr/>
+              <a:t>here?</a:t>
+            </a:r>
+          </a:p>
+        </p:txBody>
+      </p:sp>
+      <p:sp>
+        <p:nvSpPr>
+          <p:cNvPr id="3" name="Content Placeholder 2"/>
+          <p:cNvSpPr>
+            <a:spLocks noGrp="1"/>
+          </p:cNvSpPr>
+          <p:nvPr>
+            <p:ph idx="1"/>
+          </p:nvPr>
+        </p:nvSpPr>
+        <p:spPr/>
+        <p:txBody>
+          <a:bodyPr/>
+          <a:lstStyle/>
+          <a:p>
+            <a:pPr lvl="0" marL="0" indent="0">
+              <a:buNone/>
+            </a:pPr>
+            <a:r>
+              <a:rPr/>
+              <a:t>The average age across all subjects is 69.8, but the averages by gender are quite different. For males, the average age is 66.6, but for females, the average age is 74.7.</a:t>
+            </a:r>
+          </a:p>
+        </p:txBody>
+      </p:sp>
+    </p:spTree>
+  </p:cSld>
+</p:sld>
+</file>
+
+<file path=ppt/slides/slide11.xml><?xml version="1.0" encoding="utf-8"?>
+<p:sld xmlns:a="http://schemas.openxmlformats.org/drawingml/2006/main" xmlns:r="http://schemas.openxmlformats.org/officeDocument/2006/relationships" xmlns:p="http://schemas.openxmlformats.org/presentationml/2006/main">
+  <p:cSld>
+    <p:spTree>
+      <p:nvGrpSpPr>
+        <p:cNvPr id="1" name=""/>
+        <p:cNvGrpSpPr/>
+        <p:nvPr/>
+      </p:nvGrpSpPr>
+      <p:grpSpPr>
+        <a:xfrm>
+          <a:off x="0" y="0"/>
+          <a:ext cx="0" cy="0"/>
+          <a:chOff x="0" y="0"/>
+          <a:chExt cx="0" cy="0"/>
+        </a:xfrm>
+      </p:grpSpPr>
+      <p:sp>
+        <p:nvSpPr>
+          <p:cNvPr id="2" name="Title 1"/>
+          <p:cNvSpPr>
+            <a:spLocks noGrp="1"/>
+          </p:cNvSpPr>
+          <p:nvPr>
+            <p:ph type="title"/>
+          </p:nvPr>
+        </p:nvSpPr>
+        <p:spPr/>
+        <p:txBody>
+          <a:bodyPr/>
+          <a:lstStyle/>
+          <a:p>
+            <a:pPr lvl="0" marL="0" indent="0">
+              <a:buNone/>
+            </a:pPr>
+            <a:r>
+              <a:rPr/>
               <a:t>Boxplots</a:t>
             </a:r>
             <a:r>
@@ -3418,65 +3515,6 @@
           </a:ln>
         </p:spPr>
       </p:pic>
-    </p:spTree>
-  </p:cSld>
-</p:sld>
-</file>
-
-<file path=ppt/slides/slide11.xml><?xml version="1.0" encoding="utf-8"?>
-<p:sld xmlns:a="http://schemas.openxmlformats.org/drawingml/2006/main" xmlns:r="http://schemas.openxmlformats.org/officeDocument/2006/relationships" xmlns:p="http://schemas.openxmlformats.org/presentationml/2006/main">
-  <p:cSld>
-    <p:spTree>
-      <p:nvGrpSpPr>
-        <p:cNvPr id="1" name=""/>
-        <p:cNvGrpSpPr/>
-        <p:nvPr/>
-      </p:nvGrpSpPr>
-      <p:grpSpPr>
-        <a:xfrm>
-          <a:off x="0" y="0"/>
-          <a:ext cx="0" cy="0"/>
-          <a:chOff x="0" y="0"/>
-          <a:chExt cx="0" cy="0"/>
-        </a:xfrm>
-      </p:grpSpPr>
-      <p:sp>
-        <p:nvSpPr>
-          <p:cNvPr id="3" name="Content Placeholder 2"/>
-          <p:cNvSpPr>
-            <a:spLocks noGrp="1"/>
-          </p:cNvSpPr>
-          <p:nvPr>
-            <p:ph idx="1"/>
-          </p:nvPr>
-        </p:nvSpPr>
-        <p:spPr/>
-        <p:txBody>
-          <a:bodyPr/>
-          <a:lstStyle/>
-          <a:p>
-            <a:pPr lvl="0" marL="0" indent="0">
-              <a:buNone/>
-            </a:pPr>
-          </a:p>
-          <a:p>
-            <a:pPr lvl="0" marL="1270000" indent="0">
-              <a:buNone/>
-            </a:pPr>
-            <a:r>
-              <a:rPr sz="1800">
-                <a:latin typeface="Courier"/>
-              </a:rPr>
-              <a:t>##           term    estimate   std.error  statistic
-## 1          age  0.06692776 0.006195843 10.8020422
-## 2 genderFemale -0.06628511 0.140584936 -0.4714951
-##     p.value    conf.low  conf.high
-## 1 0.0000000  0.05478413 0.07907139
-## 2 0.6372872 -0.34182652 0.20925630</a:t>
-            </a:r>
-          </a:p>
-        </p:txBody>
-      </p:sp>
     </p:spTree>
   </p:cSld>
 </p:sld>
@@ -5711,7 +5749,39 @@
             </a:pPr>
             <a:r>
               <a:rPr/>
-              <a:t>Header</a:t>
+              <a:t>Using</a:t>
+            </a:r>
+            <a:r>
+              <a:rPr/>
+              <a:t> </a:t>
+            </a:r>
+            <a:r>
+              <a:rPr/>
+              <a:t>splines</a:t>
+            </a:r>
+            <a:r>
+              <a:rPr/>
+              <a:t> </a:t>
+            </a:r>
+            <a:r>
+              <a:rPr/>
+              <a:t>to</a:t>
+            </a:r>
+            <a:r>
+              <a:rPr/>
+              <a:t> </a:t>
+            </a:r>
+            <a:r>
+              <a:rPr/>
+              <a:t>model</a:t>
+            </a:r>
+            <a:r>
+              <a:rPr/>
+              <a:t> </a:t>
+            </a:r>
+            <a:r>
+              <a:rPr/>
+              <a:t>non-linearities</a:t>
             </a:r>
           </a:p>
         </p:txBody>
@@ -5788,39 +5858,39 @@
             </a:pPr>
             <a:r>
               <a:rPr/>
-              <a:t>Review</a:t>
-            </a:r>
-            <a:r>
-              <a:rPr/>
-              <a:t> </a:t>
-            </a:r>
-            <a:r>
-              <a:rPr/>
-              <a:t>the</a:t>
-            </a:r>
-            <a:r>
-              <a:rPr/>
-              <a:t> </a:t>
-            </a:r>
-            <a:r>
-              <a:rPr/>
-              <a:t>whas500</a:t>
-            </a:r>
-            <a:r>
-              <a:rPr/>
-              <a:t> </a:t>
-            </a:r>
-            <a:r>
-              <a:rPr/>
-              <a:t>data</a:t>
-            </a:r>
-            <a:r>
-              <a:rPr/>
-              <a:t> </a:t>
-            </a:r>
-            <a:r>
-              <a:rPr/>
-              <a:t>set</a:t>
+              <a:t>Advantages</a:t>
+            </a:r>
+            <a:r>
+              <a:rPr/>
+              <a:t> </a:t>
+            </a:r>
+            <a:r>
+              <a:rPr/>
+              <a:t>of</a:t>
+            </a:r>
+            <a:r>
+              <a:rPr/>
+              <a:t> </a:t>
+            </a:r>
+            <a:r>
+              <a:rPr/>
+              <a:t>a</a:t>
+            </a:r>
+            <a:r>
+              <a:rPr/>
+              <a:t> </a:t>
+            </a:r>
+            <a:r>
+              <a:rPr/>
+              <a:t>multivariate</a:t>
+            </a:r>
+            <a:r>
+              <a:rPr/>
+              <a:t> </a:t>
+            </a:r>
+            <a:r>
+              <a:rPr/>
+              <a:t>model</a:t>
             </a:r>
           </a:p>
         </p:txBody>
@@ -5840,25 +5910,30 @@
           <a:bodyPr/>
           <a:lstStyle/>
           <a:p>
-            <a:pPr lvl="0" marL="1270000" indent="0">
-              <a:buNone/>
+            <a:pPr lvl="1">
+              <a:buAutoNum type="arabicPeriod"/>
             </a:pPr>
             <a:r>
-              <a:rPr sz="1800">
-                <a:latin typeface="Courier"/>
-              </a:rPr>
-              <a:t>##   id age gender hr sysbp diasbp      bmi cvd afb
-## 1  1  83   Male 89   152     78 25.54051  No Yes
-## 2  2  49   Male 84   120     60 24.02398  No  No
-##   sho chf av3     miord     mitype year
-## 1  No  No  No Recurrent Non Q-wave &lt;NA&gt;
-## 2  No  No  No     First     Q-wave &lt;NA&gt;
-##    admitdate    disdate      fdate los dstat
-## 1 01/13/1997 01/18/1997 12/31/2002   5 Alive
-## 2 01/19/1997 01/24/1997 12/31/2002   5 Alive
-##   lenfol fstat time_yrs
-## 1   2178 Alive 5.963039
-## 2   2172 Alive 5.946612</a:t>
+              <a:rPr/>
+              <a:t>Your predictions are better with two (or more) independent variables.</a:t>
+            </a:r>
+          </a:p>
+          <a:p>
+            <a:pPr lvl="1">
+              <a:buAutoNum type="arabicPeriod"/>
+            </a:pPr>
+            <a:r>
+              <a:rPr/>
+              <a:t>You can use covariates to make risk adjustments.</a:t>
+            </a:r>
+          </a:p>
+          <a:p>
+            <a:pPr lvl="1">
+              <a:buAutoNum type="arabicPeriod"/>
+            </a:pPr>
+            <a:r>
+              <a:rPr/>
+              <a:t>You can explore interactions among variables.</a:t>
             </a:r>
           </a:p>
         </p:txBody>
@@ -5887,12 +5962,12 @@
       </p:grpSpPr>
       <p:sp>
         <p:nvSpPr>
-          <p:cNvPr id="3" name="Content Placeholder 2"/>
-          <p:cNvSpPr>
-            <a:spLocks noGrp="1"/>
-          </p:cNvSpPr>
-          <p:nvPr>
-            <p:ph idx="1"/>
+          <p:cNvPr id="2" name="Title 1"/>
+          <p:cNvSpPr>
+            <a:spLocks noGrp="1"/>
+          </p:cNvSpPr>
+          <p:nvPr>
+            <p:ph type="title"/>
           </p:nvPr>
         </p:nvSpPr>
         <p:spPr/>
@@ -5903,23 +5978,75 @@
             <a:pPr lvl="0" marL="0" indent="0">
               <a:buNone/>
             </a:pPr>
-          </a:p>
-          <a:p>
-            <a:pPr lvl="0" marL="1270000" indent="0">
-              <a:buNone/>
-            </a:pPr>
-            <a:r>
-              <a:rPr sz="1800">
-                <a:latin typeface="Courier"/>
-              </a:rPr>
-              <a:t>##             lab    logLik      AIC      BIC
-## 1 linear (df=1) -1152.310 2310.620 2320.732
-## 2 spline (df=3) -1151.288 2308.714 2319.058
-## 3 spline (df=8) -1143.118 2302.204 2329.116</a:t>
-            </a:r>
-          </a:p>
-        </p:txBody>
-      </p:sp>
+            <a:r>
+              <a:rPr/>
+              <a:t>An</a:t>
+            </a:r>
+            <a:r>
+              <a:rPr/>
+              <a:t> </a:t>
+            </a:r>
+            <a:r>
+              <a:rPr/>
+              <a:t>8</a:t>
+            </a:r>
+            <a:r>
+              <a:rPr/>
+              <a:t> </a:t>
+            </a:r>
+            <a:r>
+              <a:rPr/>
+              <a:t>df</a:t>
+            </a:r>
+            <a:r>
+              <a:rPr/>
+              <a:t> </a:t>
+            </a:r>
+            <a:r>
+              <a:rPr/>
+              <a:t>spline</a:t>
+            </a:r>
+            <a:r>
+              <a:rPr/>
+              <a:t> </a:t>
+            </a:r>
+            <a:r>
+              <a:rPr/>
+              <a:t>(overfitting!)</a:t>
+            </a:r>
+          </a:p>
+        </p:txBody>
+      </p:sp>
+      <p:pic>
+        <p:nvPicPr>
+          <p:cNvPr descr="ppt4_files/figure-pptx/overfitting-1.png" id="0" name="Picture 1"/>
+          <p:cNvPicPr>
+            <a:picLocks noGrp="1" noChangeAspect="1"/>
+          </p:cNvPicPr>
+          <p:nvPr/>
+        </p:nvPicPr>
+        <p:blipFill>
+          <a:blip r:embed="rId2"/>
+          <a:stretch>
+            <a:fillRect/>
+          </a:stretch>
+        </p:blipFill>
+        <p:spPr bwMode="auto">
+          <a:xfrm>
+            <a:off x="508000" y="1600200"/>
+            <a:ext cx="8140700" cy="4521200"/>
+          </a:xfrm>
+          <a:prstGeom prst="rect">
+            <a:avLst/>
+          </a:prstGeom>
+          <a:noFill/>
+          <a:ln w="9525">
+            <a:noFill/>
+            <a:headEnd/>
+            <a:tailEnd/>
+          </a:ln>
+        </p:spPr>
+      </p:pic>
     </p:spTree>
   </p:cSld>
 </p:sld>
@@ -5962,7 +6089,47 @@
             </a:pPr>
             <a:r>
               <a:rPr/>
-              <a:t>Header</a:t>
+              <a:t>Comparing</a:t>
+            </a:r>
+            <a:r>
+              <a:rPr/>
+              <a:t> </a:t>
+            </a:r>
+            <a:r>
+              <a:rPr/>
+              <a:t>linear</a:t>
+            </a:r>
+            <a:r>
+              <a:rPr/>
+              <a:t> </a:t>
+            </a:r>
+            <a:r>
+              <a:rPr/>
+              <a:t>model</a:t>
+            </a:r>
+            <a:r>
+              <a:rPr/>
+              <a:t> </a:t>
+            </a:r>
+            <a:r>
+              <a:rPr/>
+              <a:t>to</a:t>
+            </a:r>
+            <a:r>
+              <a:rPr/>
+              <a:t> </a:t>
+            </a:r>
+            <a:r>
+              <a:rPr/>
+              <a:t>two</a:t>
+            </a:r>
+            <a:r>
+              <a:rPr/>
+              <a:t> </a:t>
+            </a:r>
+            <a:r>
+              <a:rPr/>
+              <a:t>splines</a:t>
             </a:r>
           </a:p>
         </p:txBody>
@@ -5982,12 +6149,17 @@
           <a:bodyPr/>
           <a:lstStyle/>
           <a:p>
-            <a:pPr lvl="0" marL="0" indent="0">
+            <a:pPr lvl="0" marL="1270000" indent="0">
               <a:buNone/>
             </a:pPr>
             <a:r>
-              <a:rPr/>
-              <a:t>Testing.</a:t>
+              <a:rPr sz="1800">
+                <a:latin typeface="Courier"/>
+              </a:rPr>
+              <a:t>##             lab    logLik      AIC      BIC
+## 1 linear (df=1) -1152.310 2310.620 2320.732
+## 2 spline (df=3) -1151.288 2308.714 2319.058
+## 3 spline (df=8) -1143.118 2302.204 2329.116</a:t>
             </a:r>
           </a:p>
         </p:txBody>
@@ -6034,7 +6206,47 @@
             </a:pPr>
             <a:r>
               <a:rPr/>
-              <a:t>Header</a:t>
+              <a:t>Next</a:t>
+            </a:r>
+            <a:r>
+              <a:rPr/>
+              <a:t> </a:t>
+            </a:r>
+            <a:r>
+              <a:rPr/>
+              <a:t>time</a:t>
+            </a:r>
+            <a:r>
+              <a:rPr/>
+              <a:t> </a:t>
+            </a:r>
+            <a:r>
+              <a:rPr/>
+              <a:t>-</a:t>
+            </a:r>
+            <a:r>
+              <a:rPr/>
+              <a:t> </a:t>
+            </a:r>
+            <a:r>
+              <a:rPr/>
+              <a:t>testing</a:t>
+            </a:r>
+            <a:r>
+              <a:rPr/>
+              <a:t> </a:t>
+            </a:r>
+            <a:r>
+              <a:rPr/>
+              <a:t>proportional</a:t>
+            </a:r>
+            <a:r>
+              <a:rPr/>
+              <a:t> </a:t>
+            </a:r>
+            <a:r>
+              <a:rPr/>
+              <a:t>hazards</a:t>
             </a:r>
           </a:p>
         </p:txBody>
@@ -6054,200 +6266,161 @@
           <a:bodyPr/>
           <a:lstStyle/>
           <a:p>
-            <a:pPr lvl="0" marL="1270000" indent="0">
-              <a:buNone/>
+            <a:pPr lvl="1">
+              <a:buAutoNum type="arabicPeriod"/>
             </a:pPr>
             <a:r>
-              <a:rPr sz="1800">
-                <a:latin typeface="Courier"/>
-              </a:rPr>
-              <a:t>## Call:
-## coxph(formula = Surv(time_yrs, fstat == "Dead") ~ hr, data = whas500)
-## 
-##       coef exp(coef) se(coef)   z       p
-## hr 0.01505   1.01516  0.00269 5.6 2.1e-08
-## 
-## Likelihood ratio test=28.9  on 1 df, p=7.45e-08
-## n= 500, number of events= 215</a:t>
-            </a:r>
-          </a:p>
-          <a:p>
-            <a:pPr lvl="0" marL="1270000" indent="0">
-              <a:buNone/>
+              <a:rPr/>
+              <a:t>Patterns in Kaplan-Meier curves</a:t>
+            </a:r>
+          </a:p>
+          <a:p>
+            <a:pPr lvl="1">
+              <a:buAutoNum type="arabicPeriod"/>
             </a:pPr>
             <a:r>
-              <a:rPr sz="1800">
-                <a:latin typeface="Courier"/>
-              </a:rPr>
-              <a:t>## Call:
-## coxph(formula = Surv(time_yrs, fstat == "Dead") ~ sysbp, data = whas500)
-## 
-##           coef exp(coef) se(coef)     z     p
-## sysbp -0.00452   0.99549  0.00223 -2.03 0.042
-## 
-## Likelihood ratio test=4.19  on 1 df, p=0.0406
-## n= 500, number of events= 215</a:t>
-            </a:r>
-          </a:p>
-          <a:p>
-            <a:pPr lvl="0" marL="1270000" indent="0">
-              <a:buNone/>
+              <a:rPr/>
+              <a:t>Complementary log-log plot</a:t>
+            </a:r>
+          </a:p>
+          <a:p>
+            <a:pPr lvl="1">
+              <a:buAutoNum type="arabicPeriod"/>
             </a:pPr>
             <a:r>
-              <a:rPr sz="1800">
-                <a:latin typeface="Courier"/>
-              </a:rPr>
-              <a:t>## Call:
-## coxph(formula = Surv(time_yrs, fstat == "Dead") ~ diasbp, data = whas500)
-## 
-##            coef exp(coef) se(coef)     z       p
-## diasbp -0.01602   0.98411  0.00328 -4.88 1.1e-06
-## 
-## Likelihood ratio test=23.8  on 1 df, p=1.07e-06
-## n= 500, number of events= 215</a:t>
-            </a:r>
-          </a:p>
-          <a:p>
-            <a:pPr lvl="0" marL="1270000" indent="0">
-              <a:buNone/>
+              <a:rPr/>
+              <a:t>Schoenfeld Residuals</a:t>
+            </a:r>
+          </a:p>
+          <a:p>
+            <a:pPr lvl="1">
+              <a:buAutoNum type="arabicPeriod"/>
             </a:pPr>
             <a:r>
-              <a:rPr sz="1800">
-                <a:latin typeface="Courier"/>
-              </a:rPr>
-              <a:t>## Warning in fitter(X, Y, strats, offset, init,
-## control, weights = weights, : Loglik converged
-## before variable 1 ; beta may be infinite.</a:t>
-            </a:r>
-          </a:p>
-          <a:p>
-            <a:pPr lvl="0" marL="1270000" indent="0">
+              <a:rPr/>
+              <a:t>Fit time varying covariates</a:t>
+            </a:r>
+          </a:p>
+        </p:txBody>
+      </p:sp>
+    </p:spTree>
+  </p:cSld>
+</p:sld>
+</file>
+
+<file path=ppt/slides/slide33.xml><?xml version="1.0" encoding="utf-8"?>
+<p:sld xmlns:a="http://schemas.openxmlformats.org/drawingml/2006/main" xmlns:r="http://schemas.openxmlformats.org/officeDocument/2006/relationships" xmlns:p="http://schemas.openxmlformats.org/presentationml/2006/main">
+  <p:cSld>
+    <p:spTree>
+      <p:nvGrpSpPr>
+        <p:cNvPr id="1" name=""/>
+        <p:cNvGrpSpPr/>
+        <p:nvPr/>
+      </p:nvGrpSpPr>
+      <p:grpSpPr>
+        <a:xfrm>
+          <a:off x="0" y="0"/>
+          <a:ext cx="0" cy="0"/>
+          <a:chOff x="0" y="0"/>
+          <a:chExt cx="0" cy="0"/>
+        </a:xfrm>
+      </p:grpSpPr>
+      <p:sp>
+        <p:nvSpPr>
+          <p:cNvPr id="2" name="Title 1"/>
+          <p:cNvSpPr>
+            <a:spLocks noGrp="1"/>
+          </p:cNvSpPr>
+          <p:nvPr>
+            <p:ph type="title"/>
+          </p:nvPr>
+        </p:nvSpPr>
+        <p:spPr/>
+        <p:txBody>
+          <a:bodyPr/>
+          <a:lstStyle/>
+          <a:p>
+            <a:pPr lvl="0" marL="0" indent="0">
               <a:buNone/>
             </a:pPr>
             <a:r>
-              <a:rPr sz="1800">
-                <a:latin typeface="Courier"/>
-              </a:rPr>
-              <a:t>## Call:
-## coxph(formula = Surv(time_yrs, fstat == "Dead") ~ cvd, data = whas500)
-## 
-##            coef exp(coef) se(coef)    z    p
-## cvdYes 2.19e+01  3.20e+09 2.20e+03 0.01 0.99
-## 
-## Likelihood ratio test=568  on 1 df, p=0
-## n= 500, number of events= 215</a:t>
-            </a:r>
-          </a:p>
-          <a:p>
-            <a:pPr lvl="0" marL="1270000" indent="0">
-              <a:buNone/>
+              <a:rPr/>
+              <a:t>What</a:t>
+            </a:r>
+            <a:r>
+              <a:rPr/>
+              <a:t> </a:t>
+            </a:r>
+            <a:r>
+              <a:rPr/>
+              <a:t>have</a:t>
+            </a:r>
+            <a:r>
+              <a:rPr/>
+              <a:t> </a:t>
+            </a:r>
+            <a:r>
+              <a:rPr/>
+              <a:t>you</a:t>
+            </a:r>
+            <a:r>
+              <a:rPr/>
+              <a:t> </a:t>
+            </a:r>
+            <a:r>
+              <a:rPr/>
+              <a:t>learned</a:t>
+            </a:r>
+            <a:r>
+              <a:rPr/>
+              <a:t> </a:t>
+            </a:r>
+            <a:r>
+              <a:rPr/>
+              <a:t>today?</a:t>
+            </a:r>
+          </a:p>
+        </p:txBody>
+      </p:sp>
+      <p:sp>
+        <p:nvSpPr>
+          <p:cNvPr id="3" name="Content Placeholder 2"/>
+          <p:cNvSpPr>
+            <a:spLocks noGrp="1"/>
+          </p:cNvSpPr>
+          <p:nvPr>
+            <p:ph idx="1"/>
+          </p:nvPr>
+        </p:nvSpPr>
+        <p:spPr/>
+        <p:txBody>
+          <a:bodyPr/>
+          <a:lstStyle/>
+          <a:p>
+            <a:pPr lvl="1">
+              <a:buAutoNum type="arabicPeriod"/>
             </a:pPr>
             <a:r>
-              <a:rPr sz="1800">
-                <a:latin typeface="Courier"/>
-              </a:rPr>
-              <a:t>## Call:
-## coxph(formula = Surv(time_yrs, fstat == "Dead") ~ afb, data = whas500)
-## 
-##         coef exp(coef) se(coef)    z      p
-## afbYes 0.540     1.716    0.165 3.26 0.0011
-## 
-## Likelihood ratio test=9.58  on 1 df, p=0.00196
-## n= 500, number of events= 215</a:t>
-            </a:r>
-          </a:p>
-          <a:p>
-            <a:pPr lvl="0" marL="1270000" indent="0">
-              <a:buNone/>
+              <a:rPr/>
+              <a:t>The Cox regression model allows for multiple independent variables and interactions.</a:t>
+            </a:r>
+          </a:p>
+          <a:p>
+            <a:pPr lvl="1">
+              <a:buAutoNum type="arabicPeriod"/>
             </a:pPr>
             <a:r>
-              <a:rPr sz="1800">
-                <a:latin typeface="Courier"/>
-              </a:rPr>
-              <a:t>## Call:
-## coxph(formula = Surv(time_yrs, fstat == "Dead") ~ sho, data = whas500)
-## 
-##         coef exp(coef) se(coef)    z       p
-## shoYes 1.190     3.288    0.256 4.65 3.4e-06
-## 
-## Likelihood ratio test=15.8  on 1 df, p=6.87e-05
-## n= 500, number of events= 215</a:t>
-            </a:r>
-          </a:p>
-          <a:p>
-            <a:pPr lvl="0" marL="1270000" indent="0">
-              <a:buNone/>
+              <a:rPr/>
+              <a:t>The predicted survival curve estimated at a common covariate mean produces a risk-adjusted comparison.</a:t>
+            </a:r>
+          </a:p>
+          <a:p>
+            <a:pPr lvl="1">
+              <a:buAutoNum type="arabicPeriod"/>
             </a:pPr>
             <a:r>
-              <a:rPr sz="1800">
-                <a:latin typeface="Courier"/>
-              </a:rPr>
-              <a:t>## Call:
-## coxph(formula = Surv(time_yrs, fstat == "Dead") ~ chf, data = whas500)
-## 
-##         coef exp(coef) se(coef)    z      p
-## chfYes 1.200     3.319    0.138 8.69 &lt;2e-16
-## 
-## Likelihood ratio test=72.3  on 1 df, p=0
-## n= 500, number of events= 215</a:t>
-            </a:r>
-          </a:p>
-          <a:p>
-            <a:pPr lvl="0" marL="1270000" indent="0">
-              <a:buNone/>
-            </a:pPr>
-            <a:r>
-              <a:rPr sz="1800">
-                <a:latin typeface="Courier"/>
-              </a:rPr>
-              <a:t>## Call:
-## coxph(formula = Surv(time_yrs, fstat == "Dead") ~ av3, data = whas500)
-## 
-##         coef exp(coef) se(coef)    z    p
-## av3Yes 0.479     1.614    0.390 1.23 0.22
-## 
-## Likelihood ratio test=1.31  on 1 df, p=0.252
-## n= 500, number of events= 215</a:t>
-            </a:r>
-          </a:p>
-          <a:p>
-            <a:pPr lvl="0" marL="1270000" indent="0">
-              <a:buNone/>
-            </a:pPr>
-            <a:r>
-              <a:rPr sz="1800">
-                <a:latin typeface="Courier"/>
-              </a:rPr>
-              <a:t>## Call:
-## coxph(formula = Surv(time_yrs, fstat == "Dead") ~ miord, data = whas500)
-## 
-##                 coef exp(coef) se(coef)    z
-## miordRecurrent 0.427     1.532    0.139 3.07
-##                     p
-## miordRecurrent 0.0022
-## 
-## Likelihood ratio test=9.14  on 1 df, p=0.0025
-## n= 500, number of events= 215</a:t>
-            </a:r>
-          </a:p>
-          <a:p>
-            <a:pPr lvl="0" marL="1270000" indent="0">
-              <a:buNone/>
-            </a:pPr>
-            <a:r>
-              <a:rPr sz="1800">
-                <a:latin typeface="Courier"/>
-              </a:rPr>
-              <a:t>## Call:
-## coxph(formula = Surv(time_yrs, fstat == "Dead") ~ mitype, data = whas500)
-## 
-##                coef exp(coef) se(coef)     z
-## mitypeQ-wave -0.660     0.517    0.167 -3.95
-##                    p
-## mitypeQ-wave 7.9e-05
-## 
-## Likelihood ratio test=17.5  on 1 df, p=2.94e-05
-## n= 500, number of events= 215</a:t>
+              <a:rPr/>
+              <a:t>A positive martingale residual implies a death earlier than expected.</a:t>
             </a:r>
           </a:p>
         </p:txBody>
@@ -6294,23 +6467,39 @@
             </a:pPr>
             <a:r>
               <a:rPr/>
-              <a:t>Model</a:t>
-            </a:r>
-            <a:r>
-              <a:rPr/>
-              <a:t> </a:t>
-            </a:r>
-            <a:r>
-              <a:rPr/>
-              <a:t>fitting</a:t>
-            </a:r>
-            <a:r>
-              <a:rPr/>
-              <a:t> </a:t>
-            </a:r>
-            <a:r>
-              <a:rPr/>
-              <a:t>strategies</a:t>
+              <a:t>Review</a:t>
+            </a:r>
+            <a:r>
+              <a:rPr/>
+              <a:t> </a:t>
+            </a:r>
+            <a:r>
+              <a:rPr/>
+              <a:t>the</a:t>
+            </a:r>
+            <a:r>
+              <a:rPr/>
+              <a:t> </a:t>
+            </a:r>
+            <a:r>
+              <a:rPr/>
+              <a:t>whas500</a:t>
+            </a:r>
+            <a:r>
+              <a:rPr/>
+              <a:t> </a:t>
+            </a:r>
+            <a:r>
+              <a:rPr/>
+              <a:t>data</a:t>
+            </a:r>
+            <a:r>
+              <a:rPr/>
+              <a:t> </a:t>
+            </a:r>
+            <a:r>
+              <a:rPr/>
+              <a:t>set</a:t>
             </a:r>
           </a:p>
         </p:txBody>
@@ -6330,30 +6519,25 @@
           <a:bodyPr/>
           <a:lstStyle/>
           <a:p>
-            <a:pPr lvl="0" marL="0" indent="0">
+            <a:pPr lvl="0" marL="1270000" indent="0">
               <a:buNone/>
             </a:pPr>
             <a:r>
-              <a:rPr/>
-              <a:t>Fit univariate models first.</a:t>
-            </a:r>
-          </a:p>
-          <a:p>
-            <a:pPr lvl="0" marL="0" indent="0">
-              <a:buNone/>
-            </a:pPr>
-            <a:r>
-              <a:rPr/>
-              <a:t>Add variables one at a time or in very small batches.</a:t>
-            </a:r>
-          </a:p>
-          <a:p>
-            <a:pPr lvl="0" marL="0" indent="0">
-              <a:buNone/>
-            </a:pPr>
-            <a:r>
-              <a:rPr/>
-              <a:t>Look at interactions and nonlinearities last.</a:t>
+              <a:rPr sz="1800">
+                <a:latin typeface="Courier"/>
+              </a:rPr>
+              <a:t>##   id age gender hr sysbp diasbp      bmi cvd afb
+## 1  1  83   Male 89   152     78 25.54051  No Yes
+## 2  2  49   Male 84   120     60 24.02398  No  No
+##   sho chf av3     miord     mitype year
+## 1  No  No  No Recurrent Non Q-wave &lt;NA&gt;
+## 2  No  No  No     First     Q-wave &lt;NA&gt;
+##    admitdate    disdate      fdate los dstat
+## 1 01/13/1997 01/18/1997 12/31/2002   5 Alive
+## 2 01/19/1997 01/24/1997 12/31/2002   5 Alive
+##   lenfol fstat time_yrs
+## 1   2178 Alive 5.963039
+## 2   2172 Alive 5.946612</a:t>
             </a:r>
           </a:p>
         </p:txBody>
@@ -6400,31 +6584,23 @@
             </a:pPr>
             <a:r>
               <a:rPr/>
-              <a:t>Univariate</a:t>
-            </a:r>
-            <a:r>
-              <a:rPr/>
-              <a:t> </a:t>
-            </a:r>
-            <a:r>
-              <a:rPr/>
-              <a:t>model</a:t>
-            </a:r>
-            <a:r>
-              <a:rPr/>
-              <a:t> </a:t>
-            </a:r>
-            <a:r>
-              <a:rPr/>
-              <a:t>for</a:t>
-            </a:r>
-            <a:r>
-              <a:rPr/>
-              <a:t> </a:t>
-            </a:r>
-            <a:r>
-              <a:rPr/>
-              <a:t>age</a:t>
+              <a:t>Model</a:t>
+            </a:r>
+            <a:r>
+              <a:rPr/>
+              <a:t> </a:t>
+            </a:r>
+            <a:r>
+              <a:rPr/>
+              <a:t>fitting</a:t>
+            </a:r>
+            <a:r>
+              <a:rPr/>
+              <a:t> </a:t>
+            </a:r>
+            <a:r>
+              <a:rPr/>
+              <a:t>strategies</a:t>
             </a:r>
           </a:p>
         </p:txBody>
@@ -6444,15 +6620,30 @@
           <a:bodyPr/>
           <a:lstStyle/>
           <a:p>
-            <a:pPr lvl="0" marL="1270000" indent="0">
-              <a:buNone/>
+            <a:pPr lvl="1">
+              <a:buAutoNum type="arabicPeriod"/>
             </a:pPr>
             <a:r>
-              <a:rPr sz="1800">
-                <a:latin typeface="Courier"/>
-              </a:rPr>
-              <a:t>##   term   hr p.value     conf.int
-## 1  age 1.07   0.001 1.06 to 1.08</a:t>
+              <a:rPr/>
+              <a:t>Fit univariate models first.</a:t>
+            </a:r>
+          </a:p>
+          <a:p>
+            <a:pPr lvl="1">
+              <a:buAutoNum type="arabicPeriod"/>
+            </a:pPr>
+            <a:r>
+              <a:rPr/>
+              <a:t>Add variables one at a time or in very small batches.</a:t>
+            </a:r>
+          </a:p>
+          <a:p>
+            <a:pPr lvl="1">
+              <a:buAutoNum type="arabicPeriod"/>
+            </a:pPr>
+            <a:r>
+              <a:rPr/>
+              <a:t>Look at interactions and nonlinearities last.</a:t>
             </a:r>
           </a:p>
         </p:txBody>
@@ -6523,7 +6714,7 @@
             </a:r>
             <a:r>
               <a:rPr/>
-              <a:t>gender</a:t>
+              <a:t>age</a:t>
             </a:r>
           </a:p>
         </p:txBody>
@@ -6550,8 +6741,8 @@
               <a:rPr sz="1800">
                 <a:latin typeface="Courier"/>
               </a:rPr>
-              <a:t>##           term   hr p.value     conf.int
-## 1 genderFemale 1.46   0.006 1.12 to 1.92</a:t>
+              <a:t>##   term   hr p.value     conf.int
+## 1  age 1.07   0.001 1.06 to 1.08</a:t>
             </a:r>
           </a:p>
         </p:txBody>
@@ -6562,6 +6753,105 @@
 </file>
 
 <file path=ppt/slides/slide7.xml><?xml version="1.0" encoding="utf-8"?>
+<p:sld xmlns:a="http://schemas.openxmlformats.org/drawingml/2006/main" xmlns:r="http://schemas.openxmlformats.org/officeDocument/2006/relationships" xmlns:p="http://schemas.openxmlformats.org/presentationml/2006/main">
+  <p:cSld>
+    <p:spTree>
+      <p:nvGrpSpPr>
+        <p:cNvPr id="1" name=""/>
+        <p:cNvGrpSpPr/>
+        <p:nvPr/>
+      </p:nvGrpSpPr>
+      <p:grpSpPr>
+        <a:xfrm>
+          <a:off x="0" y="0"/>
+          <a:ext cx="0" cy="0"/>
+          <a:chOff x="0" y="0"/>
+          <a:chExt cx="0" cy="0"/>
+        </a:xfrm>
+      </p:grpSpPr>
+      <p:sp>
+        <p:nvSpPr>
+          <p:cNvPr id="2" name="Title 1"/>
+          <p:cNvSpPr>
+            <a:spLocks noGrp="1"/>
+          </p:cNvSpPr>
+          <p:nvPr>
+            <p:ph type="title"/>
+          </p:nvPr>
+        </p:nvSpPr>
+        <p:spPr/>
+        <p:txBody>
+          <a:bodyPr/>
+          <a:lstStyle/>
+          <a:p>
+            <a:pPr lvl="0" marL="0" indent="0">
+              <a:buNone/>
+            </a:pPr>
+            <a:r>
+              <a:rPr/>
+              <a:t>Univariate</a:t>
+            </a:r>
+            <a:r>
+              <a:rPr/>
+              <a:t> </a:t>
+            </a:r>
+            <a:r>
+              <a:rPr/>
+              <a:t>model</a:t>
+            </a:r>
+            <a:r>
+              <a:rPr/>
+              <a:t> </a:t>
+            </a:r>
+            <a:r>
+              <a:rPr/>
+              <a:t>for</a:t>
+            </a:r>
+            <a:r>
+              <a:rPr/>
+              <a:t> </a:t>
+            </a:r>
+            <a:r>
+              <a:rPr/>
+              <a:t>gender</a:t>
+            </a:r>
+          </a:p>
+        </p:txBody>
+      </p:sp>
+      <p:sp>
+        <p:nvSpPr>
+          <p:cNvPr id="3" name="Content Placeholder 2"/>
+          <p:cNvSpPr>
+            <a:spLocks noGrp="1"/>
+          </p:cNvSpPr>
+          <p:nvPr>
+            <p:ph idx="1"/>
+          </p:nvPr>
+        </p:nvSpPr>
+        <p:spPr/>
+        <p:txBody>
+          <a:bodyPr/>
+          <a:lstStyle/>
+          <a:p>
+            <a:pPr lvl="0" marL="1270000" indent="0">
+              <a:buNone/>
+            </a:pPr>
+            <a:r>
+              <a:rPr sz="1800">
+                <a:latin typeface="Courier"/>
+              </a:rPr>
+              <a:t>##           term   hr p.value     conf.int
+## 1 genderFemale 1.46   0.006 1.12 to 1.92</a:t>
+            </a:r>
+          </a:p>
+        </p:txBody>
+      </p:sp>
+    </p:spTree>
+  </p:cSld>
+</p:sld>
+</file>
+
+<file path=ppt/slides/slide8.xml><?xml version="1.0" encoding="utf-8"?>
 <p:sld xmlns:a="http://schemas.openxmlformats.org/drawingml/2006/main" xmlns:r="http://schemas.openxmlformats.org/officeDocument/2006/relationships" xmlns:p="http://schemas.openxmlformats.org/presentationml/2006/main">
   <p:cSld>
     <p:spTree>
@@ -6662,114 +6952,6 @@
 </p:sld>
 </file>
 
-<file path=ppt/slides/slide8.xml><?xml version="1.0" encoding="utf-8"?>
-<p:sld xmlns:a="http://schemas.openxmlformats.org/drawingml/2006/main" xmlns:r="http://schemas.openxmlformats.org/officeDocument/2006/relationships" xmlns:p="http://schemas.openxmlformats.org/presentationml/2006/main">
-  <p:cSld>
-    <p:spTree>
-      <p:nvGrpSpPr>
-        <p:cNvPr id="1" name=""/>
-        <p:cNvGrpSpPr/>
-        <p:nvPr/>
-      </p:nvGrpSpPr>
-      <p:grpSpPr>
-        <a:xfrm>
-          <a:off x="0" y="0"/>
-          <a:ext cx="0" cy="0"/>
-          <a:chOff x="0" y="0"/>
-          <a:chExt cx="0" cy="0"/>
-        </a:xfrm>
-      </p:grpSpPr>
-      <p:sp>
-        <p:nvSpPr>
-          <p:cNvPr id="2" name="Title 1"/>
-          <p:cNvSpPr>
-            <a:spLocks noGrp="1"/>
-          </p:cNvSpPr>
-          <p:nvPr>
-            <p:ph type="title"/>
-          </p:nvPr>
-        </p:nvSpPr>
-        <p:spPr/>
-        <p:txBody>
-          <a:bodyPr/>
-          <a:lstStyle/>
-          <a:p>
-            <a:pPr lvl="0" marL="0" indent="0">
-              <a:buNone/>
-            </a:pPr>
-            <a:r>
-              <a:rPr/>
-              <a:t>Model</a:t>
-            </a:r>
-            <a:r>
-              <a:rPr/>
-              <a:t> </a:t>
-            </a:r>
-            <a:r>
-              <a:rPr/>
-              <a:t>with</a:t>
-            </a:r>
-            <a:r>
-              <a:rPr/>
-              <a:t> </a:t>
-            </a:r>
-            <a:r>
-              <a:rPr/>
-              <a:t>age</a:t>
-            </a:r>
-            <a:r>
-              <a:rPr/>
-              <a:t> </a:t>
-            </a:r>
-            <a:r>
-              <a:rPr/>
-              <a:t>and</a:t>
-            </a:r>
-            <a:r>
-              <a:rPr/>
-              <a:t> </a:t>
-            </a:r>
-            <a:r>
-              <a:rPr/>
-              <a:t>gender</a:t>
-            </a:r>
-          </a:p>
-        </p:txBody>
-      </p:sp>
-      <p:sp>
-        <p:nvSpPr>
-          <p:cNvPr id="3" name="Content Placeholder 2"/>
-          <p:cNvSpPr>
-            <a:spLocks noGrp="1"/>
-          </p:cNvSpPr>
-          <p:nvPr>
-            <p:ph idx="1"/>
-          </p:nvPr>
-        </p:nvSpPr>
-        <p:spPr/>
-        <p:txBody>
-          <a:bodyPr/>
-          <a:lstStyle/>
-          <a:p>
-            <a:pPr lvl="0" marL="1270000" indent="0">
-              <a:buNone/>
-            </a:pPr>
-            <a:r>
-              <a:rPr sz="1800">
-                <a:latin typeface="Courier"/>
-              </a:rPr>
-              <a:t>##           term   hr p.value     conf.int
-## 1          age 1.07   0.637 1.06 to 1.08
-## 2 genderFemale 0.94   0.637 0.71 to 1.23</a:t>
-            </a:r>
-          </a:p>
-        </p:txBody>
-      </p:sp>
-    </p:spTree>
-  </p:cSld>
-</p:sld>
-</file>
-
 <file path=ppt/slides/slide9.xml><?xml version="1.0" encoding="utf-8"?>
 <p:sld xmlns:a="http://schemas.openxmlformats.org/drawingml/2006/main" xmlns:r="http://schemas.openxmlformats.org/officeDocument/2006/relationships" xmlns:p="http://schemas.openxmlformats.org/presentationml/2006/main">
   <p:cSld>
@@ -6807,31 +6989,39 @@
             </a:pPr>
             <a:r>
               <a:rPr/>
-              <a:t>What</a:t>
-            </a:r>
-            <a:r>
-              <a:rPr/>
-              <a:t> </a:t>
-            </a:r>
-            <a:r>
-              <a:rPr/>
-              <a:t>is</a:t>
-            </a:r>
-            <a:r>
-              <a:rPr/>
-              <a:t> </a:t>
-            </a:r>
-            <a:r>
-              <a:rPr/>
-              <a:t>happening</a:t>
-            </a:r>
-            <a:r>
-              <a:rPr/>
-              <a:t> </a:t>
-            </a:r>
-            <a:r>
-              <a:rPr/>
-              <a:t>here?</a:t>
+              <a:t>Model</a:t>
+            </a:r>
+            <a:r>
+              <a:rPr/>
+              <a:t> </a:t>
+            </a:r>
+            <a:r>
+              <a:rPr/>
+              <a:t>with</a:t>
+            </a:r>
+            <a:r>
+              <a:rPr/>
+              <a:t> </a:t>
+            </a:r>
+            <a:r>
+              <a:rPr/>
+              <a:t>age</a:t>
+            </a:r>
+            <a:r>
+              <a:rPr/>
+              <a:t> </a:t>
+            </a:r>
+            <a:r>
+              <a:rPr/>
+              <a:t>and</a:t>
+            </a:r>
+            <a:r>
+              <a:rPr/>
+              <a:t> </a:t>
+            </a:r>
+            <a:r>
+              <a:rPr/>
+              <a:t>gender</a:t>
             </a:r>
           </a:p>
         </p:txBody>
@@ -6851,12 +7041,16 @@
           <a:bodyPr/>
           <a:lstStyle/>
           <a:p>
-            <a:pPr lvl="0" marL="0" indent="0">
+            <a:pPr lvl="0" marL="1270000" indent="0">
               <a:buNone/>
             </a:pPr>
             <a:r>
-              <a:rPr/>
-              <a:t>The average age across all subjects is 69.8, but the averages by gender are quite different. For males, the average age is 66.6, but for females, the average age is 74.7.</a:t>
+              <a:rPr sz="1800">
+                <a:latin typeface="Courier"/>
+              </a:rPr>
+              <a:t>##           term   hr p.value     conf.int
+## 1          age 1.07   0.637 1.06 to 1.08
+## 2 genderFemale 0.94   0.637 0.71 to 1.23</a:t>
             </a:r>
           </a:p>
         </p:txBody>

--- a/r/ppt4.pptx
+++ b/r/ppt4.pptx
@@ -3954,8 +3954,8 @@
               <a:rPr sz="1800">
                 <a:latin typeface="Courier"/>
               </a:rPr>
-              <a:t>##   term   hr p.value     conf.int
-## 1  bmi 0.91   0.001 0.88 to 0.93</a:t>
+              <a:t>##   term   hr p.value  conf.int
+## 1  bmi 0.91   0.001 0.88-0.93</a:t>
             </a:r>
           </a:p>
         </p:txBody>
@@ -4186,10 +4186,10 @@
               <a:rPr sz="1800">
                 <a:latin typeface="Courier"/>
               </a:rPr>
-              <a:t>##       term   hr p.value     conf.int
-## 1      bmi 0.96   0.509 0.93 to 0.99
-## 2      age 1.06   0.509 1.05 to 1.08
-## 3 i_female 0.91   0.509  0.69 to 1.2</a:t>
+              <a:t>##       term   hr p.value  conf.int
+## 1      bmi 0.96   0.006 0.93-0.99
+## 2      age 1.06   0.001 1.05-1.08
+## 3 i_female 0.91   0.509  0.69-1.2</a:t>
             </a:r>
           </a:p>
         </p:txBody>
@@ -4436,10 +4436,10 @@
               <a:rPr sz="1800">
                 <a:latin typeface="Courier"/>
               </a:rPr>
-              <a:t>##           term    hr p.value      conf.int
-## 1          age  1.08   0.019   1.06 to 1.1
-## 2     i_female 10.32   0.019 1.47 to 72.19
-## 3 age:i_female  0.97   0.019  0.95 to 0.99</a:t>
+              <a:t>##           term    hr p.value   conf.int
+## 1          age  1.08   0.001   1.06-1.1
+## 2     i_female 10.32   0.019 1.47-72.19
+## 3 age:i_female  0.97   0.015  0.95-0.99</a:t>
             </a:r>
           </a:p>
         </p:txBody>
@@ -4641,10 +4641,10 @@
               <a:rPr sz="1800">
                 <a:latin typeface="Courier"/>
               </a:rPr>
-              <a:t>##             term   hr p.value     conf.int
-## 1          age_c 1.08   0.244  1.06 to 1.1
-## 2       i_female 1.23   0.244 0.87 to 1.73
-## 3 age_c:i_female 0.97   0.244 0.95 to 0.99</a:t>
+              <a:t>##             term   hr p.value  conf.int
+## 1          age_c 1.08   0.001  1.06-1.1
+## 2       i_female 1.23   0.244 0.87-1.73
+## 3 age_c:i_female 0.97   0.015 0.95-0.99</a:t>
             </a:r>
           </a:p>
         </p:txBody>
@@ -4926,8 +4926,8 @@
               <a:rPr sz="1800">
                 <a:latin typeface="Courier"/>
               </a:rPr>
-              <a:t>##           term   hr p.value     conf.int
-## 1 genderFemale 1.46   0.006 1.12 to 1.92</a:t>
+              <a:t>##           term   hr p.value  conf.int
+## 1 genderFemale 1.46   0.006 1.12-1.92</a:t>
             </a:r>
           </a:p>
           <a:p>
@@ -4950,9 +4950,9 @@
               <a:rPr sz="1800">
                 <a:latin typeface="Courier"/>
               </a:rPr>
-              <a:t>##           term   hr p.value     conf.int
-## 1          age 1.07   0.637 1.06 to 1.08
-## 2 genderFemale 0.94   0.637 0.71 to 1.23</a:t>
+              <a:t>##           term   hr p.value  conf.int
+## 1          age 1.07   0.001 1.06-1.08
+## 2 genderFemale 0.94   0.637 0.71-1.23</a:t>
             </a:r>
           </a:p>
           <a:p>
@@ -4975,10 +4975,10 @@
               <a:rPr sz="1800">
                 <a:latin typeface="Courier"/>
               </a:rPr>
-              <a:t>##           term   hr p.value     conf.int
-## 1          bmi 0.96   0.509 0.93 to 0.99
-## 2          age 1.06   0.509 1.05 to 1.08
-## 3 genderFemale 0.91   0.509  0.69 to 1.2</a:t>
+              <a:t>##           term   hr p.value  conf.int
+## 1          bmi 0.96   0.006 0.93-0.99
+## 2          age 1.06   0.001 1.05-1.08
+## 3 genderFemale 0.91   0.509  0.69-1.2</a:t>
             </a:r>
           </a:p>
         </p:txBody>
@@ -6012,7 +6012,7 @@
             </a:r>
             <a:r>
               <a:rPr/>
-              <a:t>(overfitting!)</a:t>
+              <a:t>(overfitting?)</a:t>
             </a:r>
           </a:p>
         </p:txBody>
@@ -6741,8 +6741,8 @@
               <a:rPr sz="1800">
                 <a:latin typeface="Courier"/>
               </a:rPr>
-              <a:t>##   term   hr p.value     conf.int
-## 1  age 1.07   0.001 1.06 to 1.08</a:t>
+              <a:t>##   term   hr p.value  conf.int
+## 1  age 1.07   0.001 1.06-1.08</a:t>
             </a:r>
           </a:p>
         </p:txBody>
@@ -6840,8 +6840,8 @@
               <a:rPr sz="1800">
                 <a:latin typeface="Courier"/>
               </a:rPr>
-              <a:t>##           term   hr p.value     conf.int
-## 1 genderFemale 1.46   0.006 1.12 to 1.92</a:t>
+              <a:t>##           term   hr p.value  conf.int
+## 1 genderFemale 1.46   0.006 1.12-1.92</a:t>
             </a:r>
           </a:p>
         </p:txBody>
@@ -7048,9 +7048,9 @@
               <a:rPr sz="1800">
                 <a:latin typeface="Courier"/>
               </a:rPr>
-              <a:t>##           term   hr p.value     conf.int
-## 1          age 1.07   0.637 1.06 to 1.08
-## 2 genderFemale 0.94   0.637 0.71 to 1.23</a:t>
+              <a:t>##           term   hr p.value  conf.int
+## 1          age 1.07   0.001 1.06-1.08
+## 2 genderFemale 0.94   0.637 0.71-1.23</a:t>
             </a:r>
           </a:p>
         </p:txBody>
